--- a/aanf/cpp/doc/AANF(All-Async Network Framework) introduction-v0.2.pptx
+++ b/aanf/cpp/doc/AANF(All-Async Network Framework) introduction-v0.2.pptx
@@ -24,6 +24,8 @@
     <p:sldId id="277" r:id="rId18"/>
     <p:sldId id="278" r:id="rId19"/>
     <p:sldId id="279" r:id="rId20"/>
+    <p:sldId id="281" r:id="rId21"/>
+    <p:sldId id="280" r:id="rId22"/>
   </p:sldIdLst>
   <p:sldSz cx="9144000" cy="6858000" type="screen4x3"/>
   <p:notesSz cx="6858000" cy="9144000"/>
@@ -306,7 +308,7 @@
           <a:p>
             <a:fld id="{530820CF-B880-4189-942D-D702A7CBA730}" type="datetimeFigureOut">
               <a:rPr lang="zh-CN" altLang="en-US" smtClean="0"/>
-              <a:t>2011/2/13</a:t>
+              <a:t>2011/2/15</a:t>
             </a:fld>
             <a:endParaRPr lang="zh-CN" altLang="en-US"/>
           </a:p>
@@ -471,7 +473,7 @@
           <a:p>
             <a:fld id="{530820CF-B880-4189-942D-D702A7CBA730}" type="datetimeFigureOut">
               <a:rPr lang="zh-CN" altLang="en-US" smtClean="0"/>
-              <a:t>2011/2/13</a:t>
+              <a:t>2011/2/15</a:t>
             </a:fld>
             <a:endParaRPr lang="zh-CN" altLang="en-US"/>
           </a:p>
@@ -646,7 +648,7 @@
           <a:p>
             <a:fld id="{530820CF-B880-4189-942D-D702A7CBA730}" type="datetimeFigureOut">
               <a:rPr lang="zh-CN" altLang="en-US" smtClean="0"/>
-              <a:t>2011/2/13</a:t>
+              <a:t>2011/2/15</a:t>
             </a:fld>
             <a:endParaRPr lang="zh-CN" altLang="en-US"/>
           </a:p>
@@ -811,7 +813,7 @@
           <a:p>
             <a:fld id="{530820CF-B880-4189-942D-D702A7CBA730}" type="datetimeFigureOut">
               <a:rPr lang="zh-CN" altLang="en-US" smtClean="0"/>
-              <a:t>2011/2/13</a:t>
+              <a:t>2011/2/15</a:t>
             </a:fld>
             <a:endParaRPr lang="zh-CN" altLang="en-US"/>
           </a:p>
@@ -1052,7 +1054,7 @@
           <a:p>
             <a:fld id="{530820CF-B880-4189-942D-D702A7CBA730}" type="datetimeFigureOut">
               <a:rPr lang="zh-CN" altLang="en-US" smtClean="0"/>
-              <a:t>2011/2/13</a:t>
+              <a:t>2011/2/15</a:t>
             </a:fld>
             <a:endParaRPr lang="zh-CN" altLang="en-US"/>
           </a:p>
@@ -1335,7 +1337,7 @@
           <a:p>
             <a:fld id="{530820CF-B880-4189-942D-D702A7CBA730}" type="datetimeFigureOut">
               <a:rPr lang="zh-CN" altLang="en-US" smtClean="0"/>
-              <a:t>2011/2/13</a:t>
+              <a:t>2011/2/15</a:t>
             </a:fld>
             <a:endParaRPr lang="zh-CN" altLang="en-US"/>
           </a:p>
@@ -1752,7 +1754,7 @@
           <a:p>
             <a:fld id="{530820CF-B880-4189-942D-D702A7CBA730}" type="datetimeFigureOut">
               <a:rPr lang="zh-CN" altLang="en-US" smtClean="0"/>
-              <a:t>2011/2/13</a:t>
+              <a:t>2011/2/15</a:t>
             </a:fld>
             <a:endParaRPr lang="zh-CN" altLang="en-US"/>
           </a:p>
@@ -1865,7 +1867,7 @@
           <a:p>
             <a:fld id="{530820CF-B880-4189-942D-D702A7CBA730}" type="datetimeFigureOut">
               <a:rPr lang="zh-CN" altLang="en-US" smtClean="0"/>
-              <a:t>2011/2/13</a:t>
+              <a:t>2011/2/15</a:t>
             </a:fld>
             <a:endParaRPr lang="zh-CN" altLang="en-US"/>
           </a:p>
@@ -1955,7 +1957,7 @@
           <a:p>
             <a:fld id="{530820CF-B880-4189-942D-D702A7CBA730}" type="datetimeFigureOut">
               <a:rPr lang="zh-CN" altLang="en-US" smtClean="0"/>
-              <a:t>2011/2/13</a:t>
+              <a:t>2011/2/15</a:t>
             </a:fld>
             <a:endParaRPr lang="zh-CN" altLang="en-US"/>
           </a:p>
@@ -2227,7 +2229,7 @@
           <a:p>
             <a:fld id="{530820CF-B880-4189-942D-D702A7CBA730}" type="datetimeFigureOut">
               <a:rPr lang="zh-CN" altLang="en-US" smtClean="0"/>
-              <a:t>2011/2/13</a:t>
+              <a:t>2011/2/15</a:t>
             </a:fld>
             <a:endParaRPr lang="zh-CN" altLang="en-US"/>
           </a:p>
@@ -2475,7 +2477,7 @@
           <a:p>
             <a:fld id="{530820CF-B880-4189-942D-D702A7CBA730}" type="datetimeFigureOut">
               <a:rPr lang="zh-CN" altLang="en-US" smtClean="0"/>
-              <a:t>2011/2/13</a:t>
+              <a:t>2011/2/15</a:t>
             </a:fld>
             <a:endParaRPr lang="zh-CN" altLang="en-US"/>
           </a:p>
@@ -2683,7 +2685,7 @@
           <a:p>
             <a:fld id="{530820CF-B880-4189-942D-D702A7CBA730}" type="datetimeFigureOut">
               <a:rPr lang="zh-CN" altLang="en-US" smtClean="0"/>
-              <a:t>2011/2/13</a:t>
+              <a:t>2011/2/15</a:t>
             </a:fld>
             <a:endParaRPr lang="zh-CN" altLang="en-US"/>
           </a:p>
@@ -3220,7 +3222,31 @@
                   <a:srgbClr val="FF0000"/>
                 </a:solidFill>
               </a:rPr>
-              <a:t>的设计</a:t>
+              <a:t>的</a:t>
+            </a:r>
+            <a:r>
+              <a:rPr lang="zh-CN" altLang="en-US" dirty="0" smtClean="0">
+                <a:solidFill>
+                  <a:srgbClr val="FF0000"/>
+                </a:solidFill>
+              </a:rPr>
+              <a:t>设计</a:t>
+            </a:r>
+            <a:endParaRPr lang="en-US" altLang="zh-CN" dirty="0" smtClean="0">
+              <a:solidFill>
+                <a:srgbClr val="FF0000"/>
+              </a:solidFill>
+            </a:endParaRPr>
+          </a:p>
+          <a:p>
+            <a:pPr lvl="1"/>
+            <a:r>
+              <a:rPr lang="zh-CN" altLang="en-US" dirty="0"/>
+              <a:t>测试</a:t>
+            </a:r>
+            <a:r>
+              <a:rPr lang="zh-CN" altLang="en-US" dirty="0" smtClean="0"/>
+              <a:t>环境</a:t>
             </a:r>
             <a:endParaRPr lang="en-US" altLang="zh-CN" dirty="0" smtClean="0">
               <a:solidFill>
@@ -3557,15 +3583,7 @@
             <a:pPr lvl="1"/>
             <a:r>
               <a:rPr lang="zh-CN" altLang="en-US" dirty="0" smtClean="0"/>
-              <a:t>包含</a:t>
-            </a:r>
-            <a:r>
-              <a:rPr lang="zh-CN" altLang="en-US" dirty="0" smtClean="0"/>
-              <a:t>了一个套接口的所有</a:t>
-            </a:r>
-            <a:r>
-              <a:rPr lang="zh-CN" altLang="en-US" dirty="0" smtClean="0"/>
-              <a:t>信息</a:t>
+              <a:t>包含了一个套接口的所有信息</a:t>
             </a:r>
             <a:endParaRPr lang="en-US" altLang="zh-CN" dirty="0" smtClean="0"/>
           </a:p>
@@ -3713,11 +3731,7 @@
             <a:pPr lvl="1"/>
             <a:r>
               <a:rPr lang="zh-CN" altLang="en-US" dirty="0" smtClean="0"/>
-              <a:t>这三个类只用于管理</a:t>
-            </a:r>
-            <a:r>
-              <a:rPr lang="zh-CN" altLang="en-US" dirty="0" smtClean="0"/>
-              <a:t>数据</a:t>
+              <a:t>这三个类只用于管理数据</a:t>
             </a:r>
             <a:endParaRPr lang="en-US" altLang="zh-CN" dirty="0" smtClean="0"/>
           </a:p>
@@ -4383,11 +4397,7 @@
             </a:r>
             <a:r>
               <a:rPr lang="zh-CN" altLang="en-US" dirty="0" smtClean="0"/>
-              <a:t>对象</a:t>
-            </a:r>
-            <a:r>
-              <a:rPr lang="zh-CN" altLang="en-US" dirty="0" smtClean="0"/>
-              <a:t>的</a:t>
+              <a:t>对象的</a:t>
             </a:r>
             <a:r>
               <a:rPr lang="en-US" altLang="zh-CN" dirty="0" err="1" smtClean="0"/>
@@ -5284,7 +5294,18 @@
             </a:r>
             <a:r>
               <a:rPr lang="zh-CN" altLang="en-US" dirty="0" smtClean="0"/>
-              <a:t>的设计</a:t>
+              <a:t>的</a:t>
+            </a:r>
+            <a:r>
+              <a:rPr lang="zh-CN" altLang="en-US" dirty="0" smtClean="0"/>
+              <a:t>设计</a:t>
+            </a:r>
+            <a:endParaRPr lang="en-US" altLang="zh-CN" dirty="0" smtClean="0"/>
+          </a:p>
+          <a:p>
+            <a:r>
+              <a:rPr lang="zh-CN" altLang="en-US" dirty="0" smtClean="0"/>
+              <a:t>测试环境</a:t>
             </a:r>
             <a:endParaRPr lang="en-US" altLang="zh-CN" dirty="0" smtClean="0"/>
           </a:p>
@@ -5300,6 +5321,579 @@
     <p:extLst>
       <p:ext uri="{BB962C8B-B14F-4D97-AF65-F5344CB8AC3E}">
         <p14:creationId xmlns:p14="http://schemas.microsoft.com/office/powerpoint/2010/main" val="4227258158"/>
+      </p:ext>
+    </p:extLst>
+  </p:cSld>
+  <p:clrMapOvr>
+    <a:masterClrMapping/>
+  </p:clrMapOvr>
+</p:sld>
+</file>
+
+<file path=ppt/slides/slide20.xml><?xml version="1.0" encoding="utf-8"?>
+<p:sld xmlns:a="http://schemas.openxmlformats.org/drawingml/2006/main" xmlns:r="http://schemas.openxmlformats.org/officeDocument/2006/relationships" xmlns:p="http://schemas.openxmlformats.org/presentationml/2006/main">
+  <p:cSld>
+    <p:spTree>
+      <p:nvGrpSpPr>
+        <p:cNvPr id="1" name=""/>
+        <p:cNvGrpSpPr/>
+        <p:nvPr/>
+      </p:nvGrpSpPr>
+      <p:grpSpPr>
+        <a:xfrm>
+          <a:off x="0" y="0"/>
+          <a:ext cx="0" cy="0"/>
+          <a:chOff x="0" y="0"/>
+          <a:chExt cx="0" cy="0"/>
+        </a:xfrm>
+      </p:grpSpPr>
+      <p:sp>
+        <p:nvSpPr>
+          <p:cNvPr id="2" name="标题 1"/>
+          <p:cNvSpPr>
+            <a:spLocks noGrp="1"/>
+          </p:cNvSpPr>
+          <p:nvPr>
+            <p:ph type="title"/>
+          </p:nvPr>
+        </p:nvSpPr>
+        <p:spPr/>
+        <p:txBody>
+          <a:bodyPr/>
+          <a:lstStyle/>
+          <a:p>
+            <a:r>
+              <a:rPr lang="zh-CN" altLang="en-US" dirty="0"/>
+              <a:t>提纲</a:t>
+            </a:r>
+          </a:p>
+        </p:txBody>
+      </p:sp>
+      <p:sp>
+        <p:nvSpPr>
+          <p:cNvPr id="3" name="内容占位符 2"/>
+          <p:cNvSpPr>
+            <a:spLocks noGrp="1"/>
+          </p:cNvSpPr>
+          <p:nvPr>
+            <p:ph idx="1"/>
+          </p:nvPr>
+        </p:nvSpPr>
+        <p:spPr/>
+        <p:txBody>
+          <a:bodyPr/>
+          <a:lstStyle/>
+          <a:p>
+            <a:r>
+              <a:rPr lang="zh-CN" altLang="en-US" dirty="0" smtClean="0"/>
+              <a:t>需求</a:t>
+            </a:r>
+            <a:endParaRPr lang="en-US" altLang="zh-CN" dirty="0" smtClean="0"/>
+          </a:p>
+          <a:p>
+            <a:r>
+              <a:rPr lang="zh-CN" altLang="en-US" dirty="0" smtClean="0"/>
+              <a:t>系统结构</a:t>
+            </a:r>
+            <a:endParaRPr lang="en-US" altLang="zh-CN" dirty="0" smtClean="0"/>
+          </a:p>
+          <a:p>
+            <a:pPr lvl="1"/>
+            <a:r>
+              <a:rPr lang="zh-CN" altLang="en-US" dirty="0" smtClean="0"/>
+              <a:t>常用系统结构介绍</a:t>
+            </a:r>
+            <a:endParaRPr lang="en-US" altLang="zh-CN" dirty="0" smtClean="0"/>
+          </a:p>
+          <a:p>
+            <a:pPr lvl="1"/>
+            <a:r>
+              <a:rPr lang="en-US" altLang="zh-CN" dirty="0" smtClean="0"/>
+              <a:t>AANF</a:t>
+            </a:r>
+            <a:r>
+              <a:rPr lang="zh-CN" altLang="en-US" dirty="0" smtClean="0"/>
+              <a:t>的</a:t>
+            </a:r>
+            <a:r>
+              <a:rPr lang="zh-CN" altLang="en-US" dirty="0" smtClean="0"/>
+              <a:t>设计</a:t>
+            </a:r>
+            <a:endParaRPr lang="en-US" altLang="zh-CN" dirty="0" smtClean="0"/>
+          </a:p>
+          <a:p>
+            <a:pPr lvl="1"/>
+            <a:r>
+              <a:rPr lang="zh-CN" altLang="en-US" dirty="0">
+                <a:solidFill>
+                  <a:srgbClr val="FF0000"/>
+                </a:solidFill>
+              </a:rPr>
+              <a:t>测试</a:t>
+            </a:r>
+            <a:r>
+              <a:rPr lang="zh-CN" altLang="en-US" dirty="0" smtClean="0">
+                <a:solidFill>
+                  <a:srgbClr val="FF0000"/>
+                </a:solidFill>
+              </a:rPr>
+              <a:t>环境</a:t>
+            </a:r>
+            <a:endParaRPr lang="en-US" altLang="zh-CN" dirty="0" smtClean="0">
+              <a:solidFill>
+                <a:srgbClr val="FF0000"/>
+              </a:solidFill>
+            </a:endParaRPr>
+          </a:p>
+          <a:p>
+            <a:r>
+              <a:rPr lang="zh-CN" altLang="en-US" dirty="0"/>
+              <a:t>结束语</a:t>
+            </a:r>
+          </a:p>
+        </p:txBody>
+      </p:sp>
+    </p:spTree>
+    <p:extLst>
+      <p:ext uri="{BB962C8B-B14F-4D97-AF65-F5344CB8AC3E}">
+        <p14:creationId xmlns:p14="http://schemas.microsoft.com/office/powerpoint/2010/main" val="264591091"/>
+      </p:ext>
+    </p:extLst>
+  </p:cSld>
+  <p:clrMapOvr>
+    <a:masterClrMapping/>
+  </p:clrMapOvr>
+</p:sld>
+</file>
+
+<file path=ppt/slides/slide21.xml><?xml version="1.0" encoding="utf-8"?>
+<p:sld xmlns:a="http://schemas.openxmlformats.org/drawingml/2006/main" xmlns:r="http://schemas.openxmlformats.org/officeDocument/2006/relationships" xmlns:p="http://schemas.openxmlformats.org/presentationml/2006/main">
+  <p:cSld>
+    <p:spTree>
+      <p:nvGrpSpPr>
+        <p:cNvPr id="1" name=""/>
+        <p:cNvGrpSpPr/>
+        <p:nvPr/>
+      </p:nvGrpSpPr>
+      <p:grpSpPr>
+        <a:xfrm>
+          <a:off x="0" y="0"/>
+          <a:ext cx="0" cy="0"/>
+          <a:chOff x="0" y="0"/>
+          <a:chExt cx="0" cy="0"/>
+        </a:xfrm>
+      </p:grpSpPr>
+      <p:sp>
+        <p:nvSpPr>
+          <p:cNvPr id="2" name="标题 1"/>
+          <p:cNvSpPr>
+            <a:spLocks noGrp="1"/>
+          </p:cNvSpPr>
+          <p:nvPr>
+            <p:ph type="title"/>
+          </p:nvPr>
+        </p:nvSpPr>
+        <p:spPr/>
+        <p:txBody>
+          <a:bodyPr/>
+          <a:lstStyle/>
+          <a:p>
+            <a:r>
+              <a:rPr lang="zh-CN" altLang="en-US" dirty="0" smtClean="0"/>
+              <a:t>测试环境</a:t>
+            </a:r>
+            <a:endParaRPr lang="zh-CN" altLang="en-US" dirty="0"/>
+          </a:p>
+        </p:txBody>
+      </p:sp>
+      <p:sp>
+        <p:nvSpPr>
+          <p:cNvPr id="4" name="矩形 3"/>
+          <p:cNvSpPr/>
+          <p:nvPr/>
+        </p:nvSpPr>
+        <p:spPr>
+          <a:xfrm>
+            <a:off x="1043608" y="2924944"/>
+            <a:ext cx="914400" cy="914400"/>
+          </a:xfrm>
+          <a:prstGeom prst="rect">
+            <a:avLst/>
+          </a:prstGeom>
+          <a:solidFill>
+            <a:schemeClr val="accent2"/>
+          </a:solidFill>
+        </p:spPr>
+        <p:style>
+          <a:lnRef idx="2">
+            <a:schemeClr val="accent1">
+              <a:shade val="50000"/>
+            </a:schemeClr>
+          </a:lnRef>
+          <a:fillRef idx="1">
+            <a:schemeClr val="accent1"/>
+          </a:fillRef>
+          <a:effectRef idx="0">
+            <a:schemeClr val="accent1"/>
+          </a:effectRef>
+          <a:fontRef idx="minor">
+            <a:schemeClr val="lt1"/>
+          </a:fontRef>
+        </p:style>
+        <p:txBody>
+          <a:bodyPr rtlCol="0" anchor="ctr"/>
+          <a:lstStyle/>
+          <a:p>
+            <a:pPr algn="ctr"/>
+            <a:r>
+              <a:rPr lang="zh-CN" altLang="en-US" dirty="0" smtClean="0"/>
+              <a:t>测试客户端</a:t>
+            </a:r>
+            <a:endParaRPr lang="zh-CN" altLang="en-US" dirty="0"/>
+          </a:p>
+        </p:txBody>
+      </p:sp>
+      <p:sp>
+        <p:nvSpPr>
+          <p:cNvPr id="5" name="矩形 4"/>
+          <p:cNvSpPr/>
+          <p:nvPr/>
+        </p:nvSpPr>
+        <p:spPr>
+          <a:xfrm>
+            <a:off x="3225552" y="2924944"/>
+            <a:ext cx="914400" cy="914400"/>
+          </a:xfrm>
+          <a:prstGeom prst="rect">
+            <a:avLst/>
+          </a:prstGeom>
+        </p:spPr>
+        <p:style>
+          <a:lnRef idx="2">
+            <a:schemeClr val="accent1">
+              <a:shade val="50000"/>
+            </a:schemeClr>
+          </a:lnRef>
+          <a:fillRef idx="1">
+            <a:schemeClr val="accent1"/>
+          </a:fillRef>
+          <a:effectRef idx="0">
+            <a:schemeClr val="accent1"/>
+          </a:effectRef>
+          <a:fontRef idx="minor">
+            <a:schemeClr val="lt1"/>
+          </a:fontRef>
+        </p:style>
+        <p:txBody>
+          <a:bodyPr rtlCol="0" anchor="ctr"/>
+          <a:lstStyle/>
+          <a:p>
+            <a:pPr algn="ctr"/>
+            <a:r>
+              <a:rPr lang="zh-CN" altLang="en-US" dirty="0" smtClean="0"/>
+              <a:t>前端服务器</a:t>
+            </a:r>
+            <a:endParaRPr lang="zh-CN" altLang="en-US" dirty="0"/>
+          </a:p>
+        </p:txBody>
+      </p:sp>
+      <p:sp>
+        <p:nvSpPr>
+          <p:cNvPr id="6" name="矩形 5"/>
+          <p:cNvSpPr/>
+          <p:nvPr/>
+        </p:nvSpPr>
+        <p:spPr>
+          <a:xfrm>
+            <a:off x="5652120" y="1844824"/>
+            <a:ext cx="914400" cy="914400"/>
+          </a:xfrm>
+          <a:prstGeom prst="rect">
+            <a:avLst/>
+          </a:prstGeom>
+        </p:spPr>
+        <p:style>
+          <a:lnRef idx="2">
+            <a:schemeClr val="accent1">
+              <a:shade val="50000"/>
+            </a:schemeClr>
+          </a:lnRef>
+          <a:fillRef idx="1">
+            <a:schemeClr val="accent1"/>
+          </a:fillRef>
+          <a:effectRef idx="0">
+            <a:schemeClr val="accent1"/>
+          </a:effectRef>
+          <a:fontRef idx="minor">
+            <a:schemeClr val="lt1"/>
+          </a:fontRef>
+        </p:style>
+        <p:txBody>
+          <a:bodyPr rtlCol="0" anchor="ctr"/>
+          <a:lstStyle/>
+          <a:p>
+            <a:pPr algn="ctr"/>
+            <a:r>
+              <a:rPr lang="zh-CN" altLang="en-US" dirty="0" smtClean="0"/>
+              <a:t>后端服务器</a:t>
+            </a:r>
+            <a:r>
+              <a:rPr lang="en-US" altLang="zh-CN" dirty="0" smtClean="0"/>
+              <a:t>1</a:t>
+            </a:r>
+            <a:endParaRPr lang="zh-CN" altLang="en-US" dirty="0"/>
+          </a:p>
+        </p:txBody>
+      </p:sp>
+      <p:sp>
+        <p:nvSpPr>
+          <p:cNvPr id="7" name="矩形 6"/>
+          <p:cNvSpPr/>
+          <p:nvPr/>
+        </p:nvSpPr>
+        <p:spPr>
+          <a:xfrm>
+            <a:off x="5672697" y="3610744"/>
+            <a:ext cx="914400" cy="914400"/>
+          </a:xfrm>
+          <a:prstGeom prst="rect">
+            <a:avLst/>
+          </a:prstGeom>
+        </p:spPr>
+        <p:style>
+          <a:lnRef idx="2">
+            <a:schemeClr val="accent1">
+              <a:shade val="50000"/>
+            </a:schemeClr>
+          </a:lnRef>
+          <a:fillRef idx="1">
+            <a:schemeClr val="accent1"/>
+          </a:fillRef>
+          <a:effectRef idx="0">
+            <a:schemeClr val="accent1"/>
+          </a:effectRef>
+          <a:fontRef idx="minor">
+            <a:schemeClr val="lt1"/>
+          </a:fontRef>
+        </p:style>
+        <p:txBody>
+          <a:bodyPr rtlCol="0" anchor="ctr"/>
+          <a:lstStyle/>
+          <a:p>
+            <a:pPr algn="ctr"/>
+            <a:r>
+              <a:rPr lang="zh-CN" altLang="en-US" dirty="0" smtClean="0"/>
+              <a:t>后端服务器</a:t>
+            </a:r>
+            <a:r>
+              <a:rPr lang="en-US" altLang="zh-CN" dirty="0" smtClean="0"/>
+              <a:t>2</a:t>
+            </a:r>
+            <a:endParaRPr lang="zh-CN" altLang="en-US" dirty="0"/>
+          </a:p>
+        </p:txBody>
+      </p:sp>
+      <p:cxnSp>
+        <p:nvCxnSpPr>
+          <p:cNvPr id="9" name="直接箭头连接符 8"/>
+          <p:cNvCxnSpPr>
+            <a:stCxn id="4" idx="3"/>
+            <a:endCxn id="5" idx="1"/>
+          </p:cNvCxnSpPr>
+          <p:nvPr/>
+        </p:nvCxnSpPr>
+        <p:spPr>
+          <a:xfrm>
+            <a:off x="1958008" y="3382144"/>
+            <a:ext cx="1267544" cy="0"/>
+          </a:xfrm>
+          <a:prstGeom prst="straightConnector1">
+            <a:avLst/>
+          </a:prstGeom>
+          <a:ln>
+            <a:headEnd type="triangle" w="med" len="med"/>
+            <a:tailEnd type="triangle" w="med" len="med"/>
+          </a:ln>
+        </p:spPr>
+        <p:style>
+          <a:lnRef idx="1">
+            <a:schemeClr val="accent1"/>
+          </a:lnRef>
+          <a:fillRef idx="0">
+            <a:schemeClr val="accent1"/>
+          </a:fillRef>
+          <a:effectRef idx="0">
+            <a:schemeClr val="accent1"/>
+          </a:effectRef>
+          <a:fontRef idx="minor">
+            <a:schemeClr val="tx1"/>
+          </a:fontRef>
+        </p:style>
+      </p:cxnSp>
+      <p:cxnSp>
+        <p:nvCxnSpPr>
+          <p:cNvPr id="10" name="直接箭头连接符 9"/>
+          <p:cNvCxnSpPr>
+            <a:stCxn id="5" idx="3"/>
+            <a:endCxn id="6" idx="1"/>
+          </p:cNvCxnSpPr>
+          <p:nvPr/>
+        </p:nvCxnSpPr>
+        <p:spPr>
+          <a:xfrm flipV="1">
+            <a:off x="4139952" y="2302024"/>
+            <a:ext cx="1512168" cy="1080120"/>
+          </a:xfrm>
+          <a:prstGeom prst="straightConnector1">
+            <a:avLst/>
+          </a:prstGeom>
+          <a:ln>
+            <a:headEnd type="triangle" w="med" len="med"/>
+            <a:tailEnd type="triangle" w="med" len="med"/>
+          </a:ln>
+        </p:spPr>
+        <p:style>
+          <a:lnRef idx="1">
+            <a:schemeClr val="accent1"/>
+          </a:lnRef>
+          <a:fillRef idx="0">
+            <a:schemeClr val="accent1"/>
+          </a:fillRef>
+          <a:effectRef idx="0">
+            <a:schemeClr val="accent1"/>
+          </a:effectRef>
+          <a:fontRef idx="minor">
+            <a:schemeClr val="tx1"/>
+          </a:fontRef>
+        </p:style>
+      </p:cxnSp>
+      <p:cxnSp>
+        <p:nvCxnSpPr>
+          <p:cNvPr id="13" name="直接箭头连接符 12"/>
+          <p:cNvCxnSpPr>
+            <a:stCxn id="5" idx="3"/>
+            <a:endCxn id="7" idx="1"/>
+          </p:cNvCxnSpPr>
+          <p:nvPr/>
+        </p:nvCxnSpPr>
+        <p:spPr>
+          <a:xfrm>
+            <a:off x="4139952" y="3382144"/>
+            <a:ext cx="1532745" cy="685800"/>
+          </a:xfrm>
+          <a:prstGeom prst="straightConnector1">
+            <a:avLst/>
+          </a:prstGeom>
+          <a:ln>
+            <a:headEnd type="triangle" w="med" len="med"/>
+            <a:tailEnd type="triangle" w="med" len="med"/>
+          </a:ln>
+        </p:spPr>
+        <p:style>
+          <a:lnRef idx="1">
+            <a:schemeClr val="accent1"/>
+          </a:lnRef>
+          <a:fillRef idx="0">
+            <a:schemeClr val="accent1"/>
+          </a:fillRef>
+          <a:effectRef idx="0">
+            <a:schemeClr val="accent1"/>
+          </a:effectRef>
+          <a:fontRef idx="minor">
+            <a:schemeClr val="tx1"/>
+          </a:fontRef>
+        </p:style>
+      </p:cxnSp>
+      <p:sp>
+        <p:nvSpPr>
+          <p:cNvPr id="16" name="TextBox 15"/>
+          <p:cNvSpPr txBox="1"/>
+          <p:nvPr/>
+        </p:nvSpPr>
+        <p:spPr>
+          <a:xfrm>
+            <a:off x="392155" y="5013176"/>
+            <a:ext cx="8064896" cy="1477328"/>
+          </a:xfrm>
+          <a:prstGeom prst="rect">
+            <a:avLst/>
+          </a:prstGeom>
+          <a:noFill/>
+        </p:spPr>
+        <p:txBody>
+          <a:bodyPr wrap="square" rtlCol="0">
+            <a:spAutoFit/>
+          </a:bodyPr>
+          <a:lstStyle/>
+          <a:p>
+            <a:r>
+              <a:rPr lang="zh-CN" altLang="en-US" dirty="0" smtClean="0"/>
+              <a:t>测试客户端发起一个获取用户信息的请求“</a:t>
+            </a:r>
+            <a:r>
+              <a:rPr lang="en-US" altLang="zh-CN" dirty="0" err="1" smtClean="0"/>
+              <a:t>GetUserInformationByKeyword</a:t>
+            </a:r>
+            <a:r>
+              <a:rPr lang="zh-CN" altLang="en-US" dirty="0" smtClean="0"/>
+              <a:t>”，希望通过一个关键字得到一些用户的详细信息；前端服务器收到该请求后，向后端服务器</a:t>
+            </a:r>
+            <a:r>
+              <a:rPr lang="en-US" altLang="zh-CN" dirty="0" smtClean="0"/>
+              <a:t>1</a:t>
+            </a:r>
+            <a:r>
+              <a:rPr lang="zh-CN" altLang="en-US" dirty="0" smtClean="0"/>
+              <a:t>请求“</a:t>
+            </a:r>
+            <a:r>
+              <a:rPr lang="en-US" altLang="zh-CN" dirty="0" err="1" smtClean="0"/>
+              <a:t>GetUserIDsByKeyword</a:t>
+            </a:r>
+            <a:r>
+              <a:rPr lang="zh-CN" altLang="en-US" dirty="0" smtClean="0"/>
+              <a:t>”，希望通过这个关键字得到一个用户</a:t>
+            </a:r>
+            <a:r>
+              <a:rPr lang="en-US" altLang="zh-CN" dirty="0" smtClean="0"/>
+              <a:t>ID</a:t>
+            </a:r>
+            <a:r>
+              <a:rPr lang="zh-CN" altLang="en-US" dirty="0" smtClean="0"/>
+              <a:t>的列表；然后，向后端服务器</a:t>
+            </a:r>
+            <a:r>
+              <a:rPr lang="en-US" altLang="zh-CN" dirty="0" smtClean="0"/>
+              <a:t>2</a:t>
+            </a:r>
+            <a:r>
+              <a:rPr lang="zh-CN" altLang="en-US" dirty="0" smtClean="0"/>
+              <a:t>请求“</a:t>
+            </a:r>
+            <a:r>
+              <a:rPr lang="en-US" altLang="zh-CN" dirty="0" err="1" smtClean="0"/>
+              <a:t>GetUserInformationByUserIDs</a:t>
+            </a:r>
+            <a:r>
+              <a:rPr lang="zh-CN" altLang="en-US" dirty="0" smtClean="0"/>
+              <a:t>”，希望通过用户的</a:t>
+            </a:r>
+            <a:r>
+              <a:rPr lang="en-US" altLang="zh-CN" dirty="0" smtClean="0"/>
+              <a:t>ID</a:t>
+            </a:r>
+            <a:r>
+              <a:rPr lang="zh-CN" altLang="en-US" dirty="0" smtClean="0"/>
+              <a:t>列表得到对应的用户的详细信息。</a:t>
+            </a:r>
+            <a:endParaRPr lang="zh-CN" altLang="en-US" dirty="0"/>
+          </a:p>
+        </p:txBody>
+      </p:sp>
+    </p:spTree>
+    <p:extLst>
+      <p:ext uri="{BB962C8B-B14F-4D97-AF65-F5344CB8AC3E}">
+        <p14:creationId xmlns:p14="http://schemas.microsoft.com/office/powerpoint/2010/main" val="1456608896"/>
       </p:ext>
     </p:extLst>
   </p:cSld>
@@ -5979,7 +6573,23 @@
             </a:r>
             <a:r>
               <a:rPr lang="zh-CN" altLang="en-US" dirty="0" smtClean="0"/>
-              <a:t>的设计</a:t>
+              <a:t>的</a:t>
+            </a:r>
+            <a:r>
+              <a:rPr lang="zh-CN" altLang="en-US" dirty="0" smtClean="0"/>
+              <a:t>设计</a:t>
+            </a:r>
+            <a:endParaRPr lang="en-US" altLang="zh-CN" dirty="0" smtClean="0"/>
+          </a:p>
+          <a:p>
+            <a:pPr lvl="1"/>
+            <a:r>
+              <a:rPr lang="zh-CN" altLang="en-US" dirty="0"/>
+              <a:t>测试</a:t>
+            </a:r>
+            <a:r>
+              <a:rPr lang="zh-CN" altLang="en-US" dirty="0" smtClean="0"/>
+              <a:t>环境</a:t>
             </a:r>
             <a:endParaRPr lang="en-US" altLang="zh-CN" dirty="0" smtClean="0"/>
           </a:p>

--- a/aanf/cpp/doc/AANF(All-Async Network Framework) introduction-v0.2.pptx
+++ b/aanf/cpp/doc/AANF(All-Async Network Framework) introduction-v0.2.pptx
@@ -308,7 +308,7 @@
           <a:p>
             <a:fld id="{530820CF-B880-4189-942D-D702A7CBA730}" type="datetimeFigureOut">
               <a:rPr lang="zh-CN" altLang="en-US" smtClean="0"/>
-              <a:t>2011/2/15</a:t>
+              <a:t>2011/3/16</a:t>
             </a:fld>
             <a:endParaRPr lang="zh-CN" altLang="en-US"/>
           </a:p>
@@ -473,7 +473,7 @@
           <a:p>
             <a:fld id="{530820CF-B880-4189-942D-D702A7CBA730}" type="datetimeFigureOut">
               <a:rPr lang="zh-CN" altLang="en-US" smtClean="0"/>
-              <a:t>2011/2/15</a:t>
+              <a:t>2011/3/16</a:t>
             </a:fld>
             <a:endParaRPr lang="zh-CN" altLang="en-US"/>
           </a:p>
@@ -648,7 +648,7 @@
           <a:p>
             <a:fld id="{530820CF-B880-4189-942D-D702A7CBA730}" type="datetimeFigureOut">
               <a:rPr lang="zh-CN" altLang="en-US" smtClean="0"/>
-              <a:t>2011/2/15</a:t>
+              <a:t>2011/3/16</a:t>
             </a:fld>
             <a:endParaRPr lang="zh-CN" altLang="en-US"/>
           </a:p>
@@ -813,7 +813,7 @@
           <a:p>
             <a:fld id="{530820CF-B880-4189-942D-D702A7CBA730}" type="datetimeFigureOut">
               <a:rPr lang="zh-CN" altLang="en-US" smtClean="0"/>
-              <a:t>2011/2/15</a:t>
+              <a:t>2011/3/16</a:t>
             </a:fld>
             <a:endParaRPr lang="zh-CN" altLang="en-US"/>
           </a:p>
@@ -1054,7 +1054,7 @@
           <a:p>
             <a:fld id="{530820CF-B880-4189-942D-D702A7CBA730}" type="datetimeFigureOut">
               <a:rPr lang="zh-CN" altLang="en-US" smtClean="0"/>
-              <a:t>2011/2/15</a:t>
+              <a:t>2011/3/16</a:t>
             </a:fld>
             <a:endParaRPr lang="zh-CN" altLang="en-US"/>
           </a:p>
@@ -1337,7 +1337,7 @@
           <a:p>
             <a:fld id="{530820CF-B880-4189-942D-D702A7CBA730}" type="datetimeFigureOut">
               <a:rPr lang="zh-CN" altLang="en-US" smtClean="0"/>
-              <a:t>2011/2/15</a:t>
+              <a:t>2011/3/16</a:t>
             </a:fld>
             <a:endParaRPr lang="zh-CN" altLang="en-US"/>
           </a:p>
@@ -1754,7 +1754,7 @@
           <a:p>
             <a:fld id="{530820CF-B880-4189-942D-D702A7CBA730}" type="datetimeFigureOut">
               <a:rPr lang="zh-CN" altLang="en-US" smtClean="0"/>
-              <a:t>2011/2/15</a:t>
+              <a:t>2011/3/16</a:t>
             </a:fld>
             <a:endParaRPr lang="zh-CN" altLang="en-US"/>
           </a:p>
@@ -1867,7 +1867,7 @@
           <a:p>
             <a:fld id="{530820CF-B880-4189-942D-D702A7CBA730}" type="datetimeFigureOut">
               <a:rPr lang="zh-CN" altLang="en-US" smtClean="0"/>
-              <a:t>2011/2/15</a:t>
+              <a:t>2011/3/16</a:t>
             </a:fld>
             <a:endParaRPr lang="zh-CN" altLang="en-US"/>
           </a:p>
@@ -1957,7 +1957,7 @@
           <a:p>
             <a:fld id="{530820CF-B880-4189-942D-D702A7CBA730}" type="datetimeFigureOut">
               <a:rPr lang="zh-CN" altLang="en-US" smtClean="0"/>
-              <a:t>2011/2/15</a:t>
+              <a:t>2011/3/16</a:t>
             </a:fld>
             <a:endParaRPr lang="zh-CN" altLang="en-US"/>
           </a:p>
@@ -2229,7 +2229,7 @@
           <a:p>
             <a:fld id="{530820CF-B880-4189-942D-D702A7CBA730}" type="datetimeFigureOut">
               <a:rPr lang="zh-CN" altLang="en-US" smtClean="0"/>
-              <a:t>2011/2/15</a:t>
+              <a:t>2011/3/16</a:t>
             </a:fld>
             <a:endParaRPr lang="zh-CN" altLang="en-US"/>
           </a:p>
@@ -2477,7 +2477,7 @@
           <a:p>
             <a:fld id="{530820CF-B880-4189-942D-D702A7CBA730}" type="datetimeFigureOut">
               <a:rPr lang="zh-CN" altLang="en-US" smtClean="0"/>
-              <a:t>2011/2/15</a:t>
+              <a:t>2011/3/16</a:t>
             </a:fld>
             <a:endParaRPr lang="zh-CN" altLang="en-US"/>
           </a:p>
@@ -2685,7 +2685,7 @@
           <a:p>
             <a:fld id="{530820CF-B880-4189-942D-D702A7CBA730}" type="datetimeFigureOut">
               <a:rPr lang="zh-CN" altLang="en-US" smtClean="0"/>
-              <a:t>2011/2/15</a:t>
+              <a:t>2011/3/16</a:t>
             </a:fld>
             <a:endParaRPr lang="zh-CN" altLang="en-US"/>
           </a:p>
@@ -3222,15 +3222,7 @@
                   <a:srgbClr val="FF0000"/>
                 </a:solidFill>
               </a:rPr>
-              <a:t>的</a:t>
-            </a:r>
-            <a:r>
-              <a:rPr lang="zh-CN" altLang="en-US" dirty="0" smtClean="0">
-                <a:solidFill>
-                  <a:srgbClr val="FF0000"/>
-                </a:solidFill>
-              </a:rPr>
-              <a:t>设计</a:t>
+              <a:t>的设计</a:t>
             </a:r>
             <a:endParaRPr lang="en-US" altLang="zh-CN" dirty="0" smtClean="0">
               <a:solidFill>
@@ -5294,11 +5286,7 @@
             </a:r>
             <a:r>
               <a:rPr lang="zh-CN" altLang="en-US" dirty="0" smtClean="0"/>
-              <a:t>的</a:t>
-            </a:r>
-            <a:r>
-              <a:rPr lang="zh-CN" altLang="en-US" dirty="0" smtClean="0"/>
-              <a:t>设计</a:t>
+              <a:t>的设计</a:t>
             </a:r>
             <a:endParaRPr lang="en-US" altLang="zh-CN" dirty="0" smtClean="0"/>
           </a:p>
@@ -5413,11 +5401,7 @@
             </a:r>
             <a:r>
               <a:rPr lang="zh-CN" altLang="en-US" dirty="0" smtClean="0"/>
-              <a:t>的</a:t>
-            </a:r>
-            <a:r>
-              <a:rPr lang="zh-CN" altLang="en-US" dirty="0" smtClean="0"/>
-              <a:t>设计</a:t>
+              <a:t>的设计</a:t>
             </a:r>
             <a:endParaRPr lang="en-US" altLang="zh-CN" dirty="0" smtClean="0"/>
           </a:p>
@@ -5890,6 +5874,126 @@
           </a:p>
         </p:txBody>
       </p:sp>
+      <p:sp>
+        <p:nvSpPr>
+          <p:cNvPr id="3" name="TextBox 2"/>
+          <p:cNvSpPr txBox="1"/>
+          <p:nvPr/>
+        </p:nvSpPr>
+        <p:spPr>
+          <a:xfrm>
+            <a:off x="2424078" y="2994421"/>
+            <a:ext cx="769763" cy="369332"/>
+          </a:xfrm>
+          <a:prstGeom prst="rect">
+            <a:avLst/>
+          </a:prstGeom>
+          <a:noFill/>
+        </p:spPr>
+        <p:txBody>
+          <a:bodyPr wrap="none" rtlCol="0">
+            <a:spAutoFit/>
+          </a:bodyPr>
+          <a:lstStyle/>
+          <a:p>
+            <a:r>
+              <a:rPr lang="en-US" altLang="zh-CN" dirty="0" smtClean="0"/>
+              <a:t>10001</a:t>
+            </a:r>
+            <a:endParaRPr lang="zh-CN" altLang="en-US" dirty="0"/>
+          </a:p>
+        </p:txBody>
+      </p:sp>
+      <p:sp>
+        <p:nvSpPr>
+          <p:cNvPr id="12" name="TextBox 11"/>
+          <p:cNvSpPr txBox="1"/>
+          <p:nvPr/>
+        </p:nvSpPr>
+        <p:spPr>
+          <a:xfrm>
+            <a:off x="4805169" y="1932692"/>
+            <a:ext cx="769763" cy="369332"/>
+          </a:xfrm>
+          <a:prstGeom prst="rect">
+            <a:avLst/>
+          </a:prstGeom>
+          <a:noFill/>
+        </p:spPr>
+        <p:txBody>
+          <a:bodyPr wrap="none" rtlCol="0">
+            <a:spAutoFit/>
+          </a:bodyPr>
+          <a:lstStyle/>
+          <a:p>
+            <a:r>
+              <a:rPr lang="en-US" altLang="zh-CN" dirty="0" smtClean="0"/>
+              <a:t>30001</a:t>
+            </a:r>
+            <a:endParaRPr lang="zh-CN" altLang="en-US" dirty="0"/>
+          </a:p>
+        </p:txBody>
+      </p:sp>
+      <p:sp>
+        <p:nvSpPr>
+          <p:cNvPr id="14" name="TextBox 13"/>
+          <p:cNvSpPr txBox="1"/>
+          <p:nvPr/>
+        </p:nvSpPr>
+        <p:spPr>
+          <a:xfrm>
+            <a:off x="4914026" y="4067944"/>
+            <a:ext cx="769763" cy="369332"/>
+          </a:xfrm>
+          <a:prstGeom prst="rect">
+            <a:avLst/>
+          </a:prstGeom>
+          <a:noFill/>
+        </p:spPr>
+        <p:txBody>
+          <a:bodyPr wrap="none" rtlCol="0">
+            <a:spAutoFit/>
+          </a:bodyPr>
+          <a:lstStyle/>
+          <a:p>
+            <a:r>
+              <a:rPr lang="en-US" altLang="zh-CN" dirty="0" smtClean="0"/>
+              <a:t>30002</a:t>
+            </a:r>
+            <a:endParaRPr lang="zh-CN" altLang="en-US" dirty="0"/>
+          </a:p>
+        </p:txBody>
+      </p:sp>
+      <p:sp>
+        <p:nvSpPr>
+          <p:cNvPr id="15" name="TextBox 14"/>
+          <p:cNvSpPr txBox="1"/>
+          <p:nvPr/>
+        </p:nvSpPr>
+        <p:spPr>
+          <a:xfrm>
+            <a:off x="4039721" y="2809755"/>
+            <a:ext cx="769763" cy="369332"/>
+          </a:xfrm>
+          <a:prstGeom prst="rect">
+            <a:avLst/>
+          </a:prstGeom>
+          <a:noFill/>
+        </p:spPr>
+        <p:txBody>
+          <a:bodyPr wrap="none" rtlCol="0">
+            <a:spAutoFit/>
+          </a:bodyPr>
+          <a:lstStyle/>
+          <a:p>
+            <a:r>
+              <a:rPr lang="en-US" altLang="zh-CN" dirty="0" smtClean="0"/>
+              <a:t>20001</a:t>
+            </a:r>
+            <a:endParaRPr lang="zh-CN" altLang="en-US" dirty="0"/>
+          </a:p>
+        </p:txBody>
+      </p:sp>
     </p:spTree>
     <p:extLst>
       <p:ext uri="{BB962C8B-B14F-4D97-AF65-F5344CB8AC3E}">
@@ -6573,11 +6677,7 @@
             </a:r>
             <a:r>
               <a:rPr lang="zh-CN" altLang="en-US" dirty="0" smtClean="0"/>
-              <a:t>的</a:t>
-            </a:r>
-            <a:r>
-              <a:rPr lang="zh-CN" altLang="en-US" dirty="0" smtClean="0"/>
-              <a:t>设计</a:t>
+              <a:t>的设计</a:t>
             </a:r>
             <a:endParaRPr lang="en-US" altLang="zh-CN" dirty="0" smtClean="0"/>
           </a:p>

--- a/aanf/cpp/doc/AANF(All-Async Network Framework) introduction-v0.2.pptx
+++ b/aanf/cpp/doc/AANF(All-Async Network Framework) introduction-v0.2.pptx
@@ -308,7 +308,7 @@
           <a:p>
             <a:fld id="{530820CF-B880-4189-942D-D702A7CBA730}" type="datetimeFigureOut">
               <a:rPr lang="zh-CN" altLang="en-US" smtClean="0"/>
-              <a:t>2011/3/16</a:t>
+              <a:t>2011/3/18</a:t>
             </a:fld>
             <a:endParaRPr lang="zh-CN" altLang="en-US"/>
           </a:p>
@@ -473,7 +473,7 @@
           <a:p>
             <a:fld id="{530820CF-B880-4189-942D-D702A7CBA730}" type="datetimeFigureOut">
               <a:rPr lang="zh-CN" altLang="en-US" smtClean="0"/>
-              <a:t>2011/3/16</a:t>
+              <a:t>2011/3/18</a:t>
             </a:fld>
             <a:endParaRPr lang="zh-CN" altLang="en-US"/>
           </a:p>
@@ -648,7 +648,7 @@
           <a:p>
             <a:fld id="{530820CF-B880-4189-942D-D702A7CBA730}" type="datetimeFigureOut">
               <a:rPr lang="zh-CN" altLang="en-US" smtClean="0"/>
-              <a:t>2011/3/16</a:t>
+              <a:t>2011/3/18</a:t>
             </a:fld>
             <a:endParaRPr lang="zh-CN" altLang="en-US"/>
           </a:p>
@@ -813,7 +813,7 @@
           <a:p>
             <a:fld id="{530820CF-B880-4189-942D-D702A7CBA730}" type="datetimeFigureOut">
               <a:rPr lang="zh-CN" altLang="en-US" smtClean="0"/>
-              <a:t>2011/3/16</a:t>
+              <a:t>2011/3/18</a:t>
             </a:fld>
             <a:endParaRPr lang="zh-CN" altLang="en-US"/>
           </a:p>
@@ -1054,7 +1054,7 @@
           <a:p>
             <a:fld id="{530820CF-B880-4189-942D-D702A7CBA730}" type="datetimeFigureOut">
               <a:rPr lang="zh-CN" altLang="en-US" smtClean="0"/>
-              <a:t>2011/3/16</a:t>
+              <a:t>2011/3/18</a:t>
             </a:fld>
             <a:endParaRPr lang="zh-CN" altLang="en-US"/>
           </a:p>
@@ -1337,7 +1337,7 @@
           <a:p>
             <a:fld id="{530820CF-B880-4189-942D-D702A7CBA730}" type="datetimeFigureOut">
               <a:rPr lang="zh-CN" altLang="en-US" smtClean="0"/>
-              <a:t>2011/3/16</a:t>
+              <a:t>2011/3/18</a:t>
             </a:fld>
             <a:endParaRPr lang="zh-CN" altLang="en-US"/>
           </a:p>
@@ -1754,7 +1754,7 @@
           <a:p>
             <a:fld id="{530820CF-B880-4189-942D-D702A7CBA730}" type="datetimeFigureOut">
               <a:rPr lang="zh-CN" altLang="en-US" smtClean="0"/>
-              <a:t>2011/3/16</a:t>
+              <a:t>2011/3/18</a:t>
             </a:fld>
             <a:endParaRPr lang="zh-CN" altLang="en-US"/>
           </a:p>
@@ -1867,7 +1867,7 @@
           <a:p>
             <a:fld id="{530820CF-B880-4189-942D-D702A7CBA730}" type="datetimeFigureOut">
               <a:rPr lang="zh-CN" altLang="en-US" smtClean="0"/>
-              <a:t>2011/3/16</a:t>
+              <a:t>2011/3/18</a:t>
             </a:fld>
             <a:endParaRPr lang="zh-CN" altLang="en-US"/>
           </a:p>
@@ -1957,7 +1957,7 @@
           <a:p>
             <a:fld id="{530820CF-B880-4189-942D-D702A7CBA730}" type="datetimeFigureOut">
               <a:rPr lang="zh-CN" altLang="en-US" smtClean="0"/>
-              <a:t>2011/3/16</a:t>
+              <a:t>2011/3/18</a:t>
             </a:fld>
             <a:endParaRPr lang="zh-CN" altLang="en-US"/>
           </a:p>
@@ -2229,7 +2229,7 @@
           <a:p>
             <a:fld id="{530820CF-B880-4189-942D-D702A7CBA730}" type="datetimeFigureOut">
               <a:rPr lang="zh-CN" altLang="en-US" smtClean="0"/>
-              <a:t>2011/3/16</a:t>
+              <a:t>2011/3/18</a:t>
             </a:fld>
             <a:endParaRPr lang="zh-CN" altLang="en-US"/>
           </a:p>
@@ -2477,7 +2477,7 @@
           <a:p>
             <a:fld id="{530820CF-B880-4189-942D-D702A7CBA730}" type="datetimeFigureOut">
               <a:rPr lang="zh-CN" altLang="en-US" smtClean="0"/>
-              <a:t>2011/3/16</a:t>
+              <a:t>2011/3/18</a:t>
             </a:fld>
             <a:endParaRPr lang="zh-CN" altLang="en-US"/>
           </a:p>
@@ -2685,7 +2685,7 @@
           <a:p>
             <a:fld id="{530820CF-B880-4189-942D-D702A7CBA730}" type="datetimeFigureOut">
               <a:rPr lang="zh-CN" altLang="en-US" smtClean="0"/>
-              <a:t>2011/3/16</a:t>
+              <a:t>2011/3/18</a:t>
             </a:fld>
             <a:endParaRPr lang="zh-CN" altLang="en-US"/>
           </a:p>
@@ -3386,7 +3386,7 @@
             <a:endParaRPr lang="en-US" altLang="zh-CN" dirty="0" smtClean="0"/>
           </a:p>
           <a:p>
-            <a:pPr lvl="1"/>
+            <a:pPr lvl="2"/>
             <a:r>
               <a:rPr lang="en-US" altLang="zh-CN" dirty="0" err="1" smtClean="0"/>
               <a:t>SocketPool</a:t>
@@ -3583,7 +3583,15 @@
             <a:pPr lvl="1"/>
             <a:r>
               <a:rPr lang="zh-CN" altLang="en-US" dirty="0" smtClean="0"/>
-              <a:t>创建、删除、重连纯虚函数</a:t>
+              <a:t>创建、删除、重</a:t>
+            </a:r>
+            <a:r>
+              <a:rPr lang="zh-CN" altLang="en-US" dirty="0" smtClean="0"/>
+              <a:t>连等三个纯</a:t>
+            </a:r>
+            <a:r>
+              <a:rPr lang="zh-CN" altLang="en-US" dirty="0" smtClean="0"/>
+              <a:t>虚函数</a:t>
             </a:r>
             <a:endParaRPr lang="en-US" altLang="zh-CN" dirty="0" smtClean="0"/>
           </a:p>
@@ -5812,15 +5820,23 @@
           <a:p>
             <a:r>
               <a:rPr lang="zh-CN" altLang="en-US" dirty="0" smtClean="0"/>
-              <a:t>测试客户端发起一个获取用户信息的请求“</a:t>
+              <a:t>测试客户端发起一个获取用户信息的请求</a:t>
+            </a:r>
+            <a:r>
+              <a:rPr lang="zh-CN" altLang="en-US" dirty="0" smtClean="0"/>
+              <a:t>“</a:t>
             </a:r>
             <a:r>
               <a:rPr lang="en-US" altLang="zh-CN" dirty="0" err="1" smtClean="0"/>
-              <a:t>GetUserInformationByKeyword</a:t>
-            </a:r>
-            <a:r>
-              <a:rPr lang="zh-CN" altLang="en-US" dirty="0" smtClean="0"/>
-              <a:t>”，希望通过一个关键字得到一些用户的详细信息；前端服务器收到该请求后，向后端服务器</a:t>
+              <a:t>CToBFReq</a:t>
+            </a:r>
+            <a:r>
+              <a:rPr lang="zh-CN" altLang="en-US" dirty="0" smtClean="0"/>
+              <a:t>”</a:t>
+            </a:r>
+            <a:r>
+              <a:rPr lang="zh-CN" altLang="en-US" dirty="0" smtClean="0"/>
+              <a:t>，希望通过一个关键字得到一些用户的详细信息；前端服务器收到该请求后，向后端服务器</a:t>
             </a:r>
             <a:r>
               <a:rPr lang="en-US" altLang="zh-CN" dirty="0" smtClean="0"/>
@@ -5828,15 +5844,23 @@
             </a:r>
             <a:r>
               <a:rPr lang="zh-CN" altLang="en-US" dirty="0" smtClean="0"/>
-              <a:t>请求“</a:t>
-            </a:r>
-            <a:r>
-              <a:rPr lang="en-US" altLang="zh-CN" dirty="0" err="1" smtClean="0"/>
-              <a:t>GetUserIDsByKeyword</a:t>
-            </a:r>
-            <a:r>
-              <a:rPr lang="zh-CN" altLang="en-US" dirty="0" smtClean="0"/>
-              <a:t>”，希望通过这个关键字得到一个用户</a:t>
+              <a:t>请求</a:t>
+            </a:r>
+            <a:r>
+              <a:rPr lang="zh-CN" altLang="en-US" dirty="0" smtClean="0"/>
+              <a:t>“</a:t>
+            </a:r>
+            <a:r>
+              <a:rPr lang="en-US" altLang="zh-CN" dirty="0" smtClean="0"/>
+              <a:t>BFToBB1Req</a:t>
+            </a:r>
+            <a:r>
+              <a:rPr lang="zh-CN" altLang="en-US" dirty="0" smtClean="0"/>
+              <a:t>”</a:t>
+            </a:r>
+            <a:r>
+              <a:rPr lang="zh-CN" altLang="en-US" dirty="0" smtClean="0"/>
+              <a:t>，希望通过这个关键字得到一个用户</a:t>
             </a:r>
             <a:r>
               <a:rPr lang="en-US" altLang="zh-CN" dirty="0" smtClean="0"/>
@@ -5852,15 +5876,23 @@
             </a:r>
             <a:r>
               <a:rPr lang="zh-CN" altLang="en-US" dirty="0" smtClean="0"/>
-              <a:t>请求“</a:t>
-            </a:r>
-            <a:r>
-              <a:rPr lang="en-US" altLang="zh-CN" dirty="0" err="1" smtClean="0"/>
-              <a:t>GetUserInformationByUserIDs</a:t>
-            </a:r>
-            <a:r>
-              <a:rPr lang="zh-CN" altLang="en-US" dirty="0" smtClean="0"/>
-              <a:t>”，希望通过用户的</a:t>
+              <a:t>请求</a:t>
+            </a:r>
+            <a:r>
+              <a:rPr lang="zh-CN" altLang="en-US" dirty="0" smtClean="0"/>
+              <a:t>“</a:t>
+            </a:r>
+            <a:r>
+              <a:rPr lang="en-US" altLang="zh-CN" dirty="0" smtClean="0"/>
+              <a:t>BFToBB2Req</a:t>
+            </a:r>
+            <a:r>
+              <a:rPr lang="zh-CN" altLang="en-US" dirty="0" smtClean="0"/>
+              <a:t>”</a:t>
+            </a:r>
+            <a:r>
+              <a:rPr lang="zh-CN" altLang="en-US" dirty="0" smtClean="0"/>
+              <a:t>，希望通过用户的</a:t>
             </a:r>
             <a:r>
               <a:rPr lang="en-US" altLang="zh-CN" dirty="0" smtClean="0"/>
@@ -5868,7 +5900,23 @@
             </a:r>
             <a:r>
               <a:rPr lang="zh-CN" altLang="en-US" dirty="0" smtClean="0"/>
-              <a:t>列表得到对应的用户的详细信息。</a:t>
+              <a:t>列表得到对应的用户的详细</a:t>
+            </a:r>
+            <a:r>
+              <a:rPr lang="zh-CN" altLang="en-US" dirty="0" smtClean="0"/>
+              <a:t>信息</a:t>
+            </a:r>
+            <a:r>
+              <a:rPr lang="zh-CN" altLang="en-US" dirty="0" smtClean="0"/>
+              <a:t>；最后返回给用户一个</a:t>
+            </a:r>
+            <a:r>
+              <a:rPr lang="en-US" altLang="zh-CN" dirty="0" err="1" smtClean="0"/>
+              <a:t>CToBFRsp</a:t>
+            </a:r>
+            <a:r>
+              <a:rPr lang="zh-CN" altLang="en-US" dirty="0" smtClean="0"/>
+              <a:t>。</a:t>
             </a:r>
             <a:endParaRPr lang="zh-CN" altLang="en-US" dirty="0"/>
           </a:p>
@@ -5959,36 +6007,6 @@
             <a:r>
               <a:rPr lang="en-US" altLang="zh-CN" dirty="0" smtClean="0"/>
               <a:t>30002</a:t>
-            </a:r>
-            <a:endParaRPr lang="zh-CN" altLang="en-US" dirty="0"/>
-          </a:p>
-        </p:txBody>
-      </p:sp>
-      <p:sp>
-        <p:nvSpPr>
-          <p:cNvPr id="15" name="TextBox 14"/>
-          <p:cNvSpPr txBox="1"/>
-          <p:nvPr/>
-        </p:nvSpPr>
-        <p:spPr>
-          <a:xfrm>
-            <a:off x="4039721" y="2809755"/>
-            <a:ext cx="769763" cy="369332"/>
-          </a:xfrm>
-          <a:prstGeom prst="rect">
-            <a:avLst/>
-          </a:prstGeom>
-          <a:noFill/>
-        </p:spPr>
-        <p:txBody>
-          <a:bodyPr wrap="none" rtlCol="0">
-            <a:spAutoFit/>
-          </a:bodyPr>
-          <a:lstStyle/>
-          <a:p>
-            <a:r>
-              <a:rPr lang="en-US" altLang="zh-CN" dirty="0" smtClean="0"/>
-              <a:t>20001</a:t>
             </a:r>
             <a:endParaRPr lang="zh-CN" altLang="en-US" dirty="0"/>
           </a:p>
